--- a/Master rad/prezentacija/Master rad.pptx
+++ b/Master rad/prezentacija/Master rad.pptx
@@ -5424,7 +5424,7 @@
           <a:graphicData uri="http://schemas.openxmlformats.org/presentationml/2006/ole">
             <mc:AlternateContent xmlns:mc="http://schemas.openxmlformats.org/markup-compatibility/2006">
               <mc:Choice xmlns:v="urn:schemas-microsoft-com:vml" Requires="v">
-                <p:oleObj spid="_x0000_s9421" name="Equation" r:id="rId3" imgW="5371920" imgH="1218960" progId="Equation.DSMT4">
+                <p:oleObj spid="_x0000_s9429" name="Equation" r:id="rId3" imgW="5371920" imgH="1218960" progId="Equation.DSMT4">
                   <p:embed/>
                 </p:oleObj>
               </mc:Choice>
@@ -5481,7 +5481,7 @@
           <a:graphicData uri="http://schemas.openxmlformats.org/presentationml/2006/ole">
             <mc:AlternateContent xmlns:mc="http://schemas.openxmlformats.org/markup-compatibility/2006">
               <mc:Choice xmlns:v="urn:schemas-microsoft-com:vml" Requires="v">
-                <p:oleObj spid="_x0000_s9422" name="Equation" r:id="rId5" imgW="2476440" imgH="1218960" progId="Equation.DSMT4">
+                <p:oleObj spid="_x0000_s9430" name="Equation" r:id="rId5" imgW="2476440" imgH="1218960" progId="Equation.DSMT4">
                   <p:embed/>
                 </p:oleObj>
               </mc:Choice>
@@ -6450,7 +6450,7 @@
           <a:graphicData uri="http://schemas.openxmlformats.org/presentationml/2006/ole">
             <mc:AlternateContent xmlns:mc="http://schemas.openxmlformats.org/markup-compatibility/2006">
               <mc:Choice xmlns:v="urn:schemas-microsoft-com:vml" Requires="v">
-                <p:oleObj spid="_x0000_s11327" name="Equation" r:id="rId4" imgW="1346040" imgH="1054080" progId="Equation.DSMT4">
+                <p:oleObj spid="_x0000_s11331" name="Equation" r:id="rId4" imgW="1346040" imgH="1054080" progId="Equation.DSMT4">
                   <p:embed/>
                 </p:oleObj>
               </mc:Choice>
@@ -6581,7 +6581,7 @@
           <a:graphicData uri="http://schemas.openxmlformats.org/presentationml/2006/ole">
             <mc:AlternateContent xmlns:mc="http://schemas.openxmlformats.org/markup-compatibility/2006">
               <mc:Choice xmlns:v="urn:schemas-microsoft-com:vml" Requires="v">
-                <p:oleObj spid="_x0000_s12351" name="Equation" r:id="rId4" imgW="1777680" imgH="1054080" progId="Equation.DSMT4">
+                <p:oleObj spid="_x0000_s12355" name="Equation" r:id="rId4" imgW="1777680" imgH="1054080" progId="Equation.DSMT4">
                   <p:embed/>
                 </p:oleObj>
               </mc:Choice>
@@ -7385,7 +7385,7 @@
           <a:graphicData uri="http://schemas.openxmlformats.org/presentationml/2006/ole">
             <mc:AlternateContent xmlns:mc="http://schemas.openxmlformats.org/markup-compatibility/2006">
               <mc:Choice xmlns:v="urn:schemas-microsoft-com:vml" Requires="v">
-                <p:oleObj spid="_x0000_s13466" name="Equation" r:id="rId3" imgW="2641320" imgH="279360" progId="Equation.DSMT4">
+                <p:oleObj spid="_x0000_s13522" name="Equation" r:id="rId3" imgW="2641320" imgH="279360" progId="Equation.DSMT4">
                   <p:embed/>
                 </p:oleObj>
               </mc:Choice>
@@ -7442,7 +7442,7 @@
           <a:graphicData uri="http://schemas.openxmlformats.org/presentationml/2006/ole">
             <mc:AlternateContent xmlns:mc="http://schemas.openxmlformats.org/markup-compatibility/2006">
               <mc:Choice xmlns:v="urn:schemas-microsoft-com:vml" Requires="v">
-                <p:oleObj spid="_x0000_s13467" name="Equation" r:id="rId5" imgW="4673520" imgH="279360" progId="Equation.DSMT4">
+                <p:oleObj spid="_x0000_s13523" name="Equation" r:id="rId5" imgW="4673520" imgH="279360" progId="Equation.DSMT4">
                   <p:embed/>
                 </p:oleObj>
               </mc:Choice>
@@ -7525,7 +7525,7 @@
           <a:graphicData uri="http://schemas.openxmlformats.org/presentationml/2006/ole">
             <mc:AlternateContent xmlns:mc="http://schemas.openxmlformats.org/markup-compatibility/2006">
               <mc:Choice xmlns:v="urn:schemas-microsoft-com:vml" Requires="v">
-                <p:oleObj spid="_x0000_s13468" name="Equation" r:id="rId7" imgW="4419360" imgH="279360" progId="Equation.DSMT4">
+                <p:oleObj spid="_x0000_s13524" name="Equation" r:id="rId7" imgW="4419360" imgH="279360" progId="Equation.DSMT4">
                   <p:embed/>
                 </p:oleObj>
               </mc:Choice>
@@ -7608,7 +7608,7 @@
           <a:graphicData uri="http://schemas.openxmlformats.org/presentationml/2006/ole">
             <mc:AlternateContent xmlns:mc="http://schemas.openxmlformats.org/markup-compatibility/2006">
               <mc:Choice xmlns:v="urn:schemas-microsoft-com:vml" Requires="v">
-                <p:oleObj spid="_x0000_s13469" name="Equation" r:id="rId9" imgW="2946240" imgH="279360" progId="Equation.DSMT4">
+                <p:oleObj spid="_x0000_s13525" name="Equation" r:id="rId9" imgW="2946240" imgH="279360" progId="Equation.DSMT4">
                   <p:embed/>
                 </p:oleObj>
               </mc:Choice>
@@ -7691,7 +7691,7 @@
           <a:graphicData uri="http://schemas.openxmlformats.org/presentationml/2006/ole">
             <mc:AlternateContent xmlns:mc="http://schemas.openxmlformats.org/markup-compatibility/2006">
               <mc:Choice xmlns:v="urn:schemas-microsoft-com:vml" Requires="v">
-                <p:oleObj spid="_x0000_s13470" name="Equation" r:id="rId11" imgW="4254480" imgH="279360" progId="Equation.DSMT4">
+                <p:oleObj spid="_x0000_s13526" name="Equation" r:id="rId11" imgW="4254480" imgH="279360" progId="Equation.DSMT4">
                   <p:embed/>
                 </p:oleObj>
               </mc:Choice>
@@ -7774,7 +7774,7 @@
           <a:graphicData uri="http://schemas.openxmlformats.org/presentationml/2006/ole">
             <mc:AlternateContent xmlns:mc="http://schemas.openxmlformats.org/markup-compatibility/2006">
               <mc:Choice xmlns:v="urn:schemas-microsoft-com:vml" Requires="v">
-                <p:oleObj spid="_x0000_s13471" name="Equation" r:id="rId13" imgW="6578280" imgH="279360" progId="Equation.DSMT4">
+                <p:oleObj spid="_x0000_s13527" name="Equation" r:id="rId13" imgW="6578280" imgH="279360" progId="Equation.DSMT4">
                   <p:embed/>
                 </p:oleObj>
               </mc:Choice>
@@ -7857,7 +7857,7 @@
           <a:graphicData uri="http://schemas.openxmlformats.org/presentationml/2006/ole">
             <mc:AlternateContent xmlns:mc="http://schemas.openxmlformats.org/markup-compatibility/2006">
               <mc:Choice xmlns:v="urn:schemas-microsoft-com:vml" Requires="v">
-                <p:oleObj spid="_x0000_s13472" name="Equation" r:id="rId15" imgW="5117760" imgH="279360" progId="Equation.DSMT4">
+                <p:oleObj spid="_x0000_s13528" name="Equation" r:id="rId15" imgW="5117760" imgH="279360" progId="Equation.DSMT4">
                   <p:embed/>
                 </p:oleObj>
               </mc:Choice>
@@ -7940,7 +7940,7 @@
           <a:graphicData uri="http://schemas.openxmlformats.org/presentationml/2006/ole">
             <mc:AlternateContent xmlns:mc="http://schemas.openxmlformats.org/markup-compatibility/2006">
               <mc:Choice xmlns:v="urn:schemas-microsoft-com:vml" Requires="v">
-                <p:oleObj spid="_x0000_s13473" name="Equation" r:id="rId17" imgW="4965480" imgH="279360" progId="Equation.DSMT4">
+                <p:oleObj spid="_x0000_s13529" name="Equation" r:id="rId17" imgW="4965480" imgH="279360" progId="Equation.DSMT4">
                   <p:embed/>
                 </p:oleObj>
               </mc:Choice>
@@ -8023,7 +8023,7 @@
           <a:graphicData uri="http://schemas.openxmlformats.org/presentationml/2006/ole">
             <mc:AlternateContent xmlns:mc="http://schemas.openxmlformats.org/markup-compatibility/2006">
               <mc:Choice xmlns:v="urn:schemas-microsoft-com:vml" Requires="v">
-                <p:oleObj spid="_x0000_s13474" name="Equation" r:id="rId19" imgW="4419360" imgH="279360" progId="Equation.DSMT4">
+                <p:oleObj spid="_x0000_s13530" name="Equation" r:id="rId19" imgW="4419360" imgH="279360" progId="Equation.DSMT4">
                   <p:embed/>
                 </p:oleObj>
               </mc:Choice>
@@ -8087,7 +8087,7 @@
           <a:graphicData uri="http://schemas.openxmlformats.org/presentationml/2006/ole">
             <mc:AlternateContent xmlns:mc="http://schemas.openxmlformats.org/markup-compatibility/2006">
               <mc:Choice xmlns:v="urn:schemas-microsoft-com:vml" Requires="v">
-                <p:oleObj spid="_x0000_s13475" name="Equation" r:id="rId21" imgW="2603160" imgH="279360" progId="Equation.DSMT4">
+                <p:oleObj spid="_x0000_s13531" name="Equation" r:id="rId21" imgW="2603160" imgH="279360" progId="Equation.DSMT4">
                   <p:embed/>
                 </p:oleObj>
               </mc:Choice>
@@ -8170,7 +8170,7 @@
           <a:graphicData uri="http://schemas.openxmlformats.org/presentationml/2006/ole">
             <mc:AlternateContent xmlns:mc="http://schemas.openxmlformats.org/markup-compatibility/2006">
               <mc:Choice xmlns:v="urn:schemas-microsoft-com:vml" Requires="v">
-                <p:oleObj spid="_x0000_s13476" name="Equation" r:id="rId23" imgW="3174840" imgH="291960" progId="Equation.DSMT4">
+                <p:oleObj spid="_x0000_s13532" name="Equation" r:id="rId23" imgW="3174840" imgH="291960" progId="Equation.DSMT4">
                   <p:embed/>
                 </p:oleObj>
               </mc:Choice>
@@ -8253,7 +8253,7 @@
           <a:graphicData uri="http://schemas.openxmlformats.org/presentationml/2006/ole">
             <mc:AlternateContent xmlns:mc="http://schemas.openxmlformats.org/markup-compatibility/2006">
               <mc:Choice xmlns:v="urn:schemas-microsoft-com:vml" Requires="v">
-                <p:oleObj spid="_x0000_s13477" name="Equation" r:id="rId25" imgW="4508280" imgH="291960" progId="Equation.DSMT4">
+                <p:oleObj spid="_x0000_s13533" name="Equation" r:id="rId25" imgW="4508280" imgH="291960" progId="Equation.DSMT4">
                   <p:embed/>
                 </p:oleObj>
               </mc:Choice>
@@ -8336,7 +8336,7 @@
           <a:graphicData uri="http://schemas.openxmlformats.org/presentationml/2006/ole">
             <mc:AlternateContent xmlns:mc="http://schemas.openxmlformats.org/markup-compatibility/2006">
               <mc:Choice xmlns:v="urn:schemas-microsoft-com:vml" Requires="v">
-                <p:oleObj spid="_x0000_s13478" name="Equation" r:id="rId27" imgW="3022560" imgH="291960" progId="Equation.DSMT4">
+                <p:oleObj spid="_x0000_s13534" name="Equation" r:id="rId27" imgW="3022560" imgH="291960" progId="Equation.DSMT4">
                   <p:embed/>
                 </p:oleObj>
               </mc:Choice>
@@ -8419,7 +8419,7 @@
           <a:graphicData uri="http://schemas.openxmlformats.org/presentationml/2006/ole">
             <mc:AlternateContent xmlns:mc="http://schemas.openxmlformats.org/markup-compatibility/2006">
               <mc:Choice xmlns:v="urn:schemas-microsoft-com:vml" Requires="v">
-                <p:oleObj spid="_x0000_s13479" name="Equation" r:id="rId29" imgW="4140000" imgH="291960" progId="Equation.DSMT4">
+                <p:oleObj spid="_x0000_s13535" name="Equation" r:id="rId29" imgW="4140000" imgH="291960" progId="Equation.DSMT4">
                   <p:embed/>
                 </p:oleObj>
               </mc:Choice>
@@ -12309,7 +12309,7 @@
         </p:blipFill>
         <p:spPr>
           <a:xfrm>
-            <a:off x="2533194" y="3848043"/>
+            <a:off x="755576" y="3740031"/>
             <a:ext cx="4077612" cy="2050683"/>
           </a:xfrm>
           <a:prstGeom prst="rect">
@@ -12317,8 +12317,8 @@
           </a:prstGeom>
         </p:spPr>
       </p:pic>
-      <mc:AlternateContent xmlns:mc="http://schemas.openxmlformats.org/markup-compatibility/2006" xmlns:a14="http://schemas.microsoft.com/office/drawing/2010/main">
-        <mc:Choice Requires="a14">
+      <mc:AlternateContent xmlns:mc="http://schemas.openxmlformats.org/markup-compatibility/2006">
+        <mc:Choice xmlns:a14="http://schemas.microsoft.com/office/drawing/2010/main" Requires="a14">
           <p:sp>
             <p:nvSpPr>
               <p:cNvPr id="5" name="TextBox 4"/>
@@ -12327,7 +12327,7 @@
             </p:nvSpPr>
             <p:spPr>
               <a:xfrm>
-                <a:off x="2195736" y="6007291"/>
+                <a:off x="457200" y="5812950"/>
                 <a:ext cx="4752528" cy="346313"/>
               </a:xfrm>
               <a:prstGeom prst="rect">
@@ -12422,7 +12422,7 @@
             </p:txBody>
           </p:sp>
         </mc:Choice>
-        <mc:Fallback xmlns="">
+        <mc:Fallback>
           <p:sp>
             <p:nvSpPr>
               <p:cNvPr id="5" name="TextBox 4"/>
@@ -12433,7 +12433,7 @@
             </p:nvSpPr>
             <p:spPr>
               <a:xfrm>
-                <a:off x="2195736" y="6007291"/>
+                <a:off x="457200" y="5812950"/>
                 <a:ext cx="4752528" cy="346313"/>
               </a:xfrm>
               <a:prstGeom prst="rect">
@@ -12442,7 +12442,7 @@
               <a:blipFill>
                 <a:blip r:embed="rId3"/>
                 <a:stretch>
-                  <a:fillRect b="-3509"/>
+                  <a:fillRect b="-5357"/>
                 </a:stretch>
               </a:blipFill>
             </p:spPr>
@@ -12461,8 +12461,8 @@
           </p:sp>
         </mc:Fallback>
       </mc:AlternateContent>
-      <mc:AlternateContent xmlns:mc="http://schemas.openxmlformats.org/markup-compatibility/2006" xmlns:a14="http://schemas.microsoft.com/office/drawing/2010/main">
-        <mc:Choice Requires="a14">
+      <mc:AlternateContent xmlns:mc="http://schemas.openxmlformats.org/markup-compatibility/2006">
+        <mc:Choice xmlns:a14="http://schemas.microsoft.com/office/drawing/2010/main" Requires="a14">
           <p:sp>
             <p:nvSpPr>
               <p:cNvPr id="7" name="TextBox 6"/>
@@ -12471,7 +12471,7 @@
             </p:nvSpPr>
             <p:spPr>
               <a:xfrm>
-                <a:off x="2159732" y="3153588"/>
+                <a:off x="382114" y="3154192"/>
                 <a:ext cx="4824536" cy="586443"/>
               </a:xfrm>
               <a:prstGeom prst="rect">
@@ -12739,7 +12739,7 @@
             </p:txBody>
           </p:sp>
         </mc:Choice>
-        <mc:Fallback xmlns="">
+        <mc:Fallback>
           <p:sp>
             <p:nvSpPr>
               <p:cNvPr id="7" name="TextBox 6"/>
@@ -12750,7 +12750,7 @@
             </p:nvSpPr>
             <p:spPr>
               <a:xfrm>
-                <a:off x="2159732" y="3153588"/>
+                <a:off x="382114" y="3154192"/>
                 <a:ext cx="4824536" cy="586443"/>
               </a:xfrm>
               <a:prstGeom prst="rect">
@@ -12760,6 +12760,132 @@
                 <a:blip r:embed="rId4"/>
                 <a:stretch>
                   <a:fillRect/>
+                </a:stretch>
+              </a:blipFill>
+            </p:spPr>
+            <p:txBody>
+              <a:bodyPr/>
+              <a:lstStyle/>
+              <a:p>
+                <a:r>
+                  <a:rPr lang="en-US">
+                    <a:noFill/>
+                  </a:rPr>
+                  <a:t> </a:t>
+                </a:r>
+              </a:p>
+            </p:txBody>
+          </p:sp>
+        </mc:Fallback>
+      </mc:AlternateContent>
+      <p:pic>
+        <p:nvPicPr>
+          <p:cNvPr id="6" name="Picture 5"/>
+          <p:cNvPicPr>
+            <a:picLocks noChangeAspect="1"/>
+          </p:cNvPicPr>
+          <p:nvPr/>
+        </p:nvPicPr>
+        <p:blipFill>
+          <a:blip r:embed="rId5">
+            <a:extLst>
+              <a:ext uri="{28A0092B-C50C-407E-A947-70E740481C1C}">
+                <a14:useLocalDpi xmlns:a14="http://schemas.microsoft.com/office/drawing/2010/main" val="0"/>
+              </a:ext>
+            </a:extLst>
+          </a:blip>
+          <a:stretch>
+            <a:fillRect/>
+          </a:stretch>
+        </p:blipFill>
+        <p:spPr>
+          <a:xfrm>
+            <a:off x="4977579" y="3471070"/>
+            <a:ext cx="3568442" cy="1800200"/>
+          </a:xfrm>
+          <a:prstGeom prst="rect">
+            <a:avLst/>
+          </a:prstGeom>
+        </p:spPr>
+      </p:pic>
+      <mc:AlternateContent xmlns:mc="http://schemas.openxmlformats.org/markup-compatibility/2006">
+        <mc:Choice xmlns:a14="http://schemas.microsoft.com/office/drawing/2010/main" Requires="a14">
+          <p:sp>
+            <p:nvSpPr>
+              <p:cNvPr id="8" name="TextBox 7"/>
+              <p:cNvSpPr txBox="1"/>
+              <p:nvPr/>
+            </p:nvSpPr>
+            <p:spPr>
+              <a:xfrm>
+                <a:off x="4378648" y="5812950"/>
+                <a:ext cx="4752528" cy="346313"/>
+              </a:xfrm>
+              <a:prstGeom prst="rect">
+                <a:avLst/>
+              </a:prstGeom>
+              <a:noFill/>
+            </p:spPr>
+            <p:txBody>
+              <a:bodyPr wrap="square" rtlCol="0">
+                <a:spAutoFit/>
+              </a:bodyPr>
+              <a:lstStyle/>
+              <a:p>
+                <a:pPr/>
+                <a14:m>
+                  <m:oMathPara xmlns:m="http://schemas.openxmlformats.org/officeDocument/2006/math">
+                    <m:oMathParaPr>
+                      <m:jc m:val="center"/>
+                    </m:oMathParaPr>
+                    <m:oMath xmlns:m="http://schemas.openxmlformats.org/officeDocument/2006/math">
+                      <m:r>
+                        <a:rPr lang="en-US" sz="1600" b="0" i="1" smtClean="0">
+                          <a:latin typeface="Cambria Math" panose="02040503050406030204" pitchFamily="18" charset="0"/>
+                        </a:rPr>
+                        <m:t>𝐾𝑜𝑚𝑝𝑟𝑒𝑠𝑖𝑜𝑛𝑖</m:t>
+                      </m:r>
+                      <m:r>
+                        <a:rPr lang="en-US" sz="1600" b="0" i="1" smtClean="0">
+                          <a:latin typeface="Cambria Math" panose="02040503050406030204" pitchFamily="18" charset="0"/>
+                        </a:rPr>
+                        <m:t> </m:t>
+                      </m:r>
+                      <m:r>
+                        <a:rPr lang="en-US" sz="1600" b="0" i="1" smtClean="0">
+                          <a:latin typeface="Cambria Math" panose="02040503050406030204" pitchFamily="18" charset="0"/>
+                        </a:rPr>
+                        <m:t>𝑡𝑎𝑙𝑎𝑠𝑖</m:t>
+                      </m:r>
+                    </m:oMath>
+                  </m:oMathPara>
+                </a14:m>
+                <a:endParaRPr lang="en-GB"/>
+              </a:p>
+            </p:txBody>
+          </p:sp>
+        </mc:Choice>
+        <mc:Fallback>
+          <p:sp>
+            <p:nvSpPr>
+              <p:cNvPr id="8" name="TextBox 7"/>
+              <p:cNvSpPr txBox="1">
+                <a:spLocks noRot="1" noChangeAspect="1" noMove="1" noResize="1" noEditPoints="1" noAdjustHandles="1" noChangeArrowheads="1" noChangeShapeType="1" noTextEdit="1"/>
+              </p:cNvSpPr>
+              <p:nvPr/>
+            </p:nvSpPr>
+            <p:spPr>
+              <a:xfrm>
+                <a:off x="4378648" y="5812950"/>
+                <a:ext cx="4752528" cy="346313"/>
+              </a:xfrm>
+              <a:prstGeom prst="rect">
+                <a:avLst/>
+              </a:prstGeom>
+              <a:blipFill>
+                <a:blip r:embed="rId6"/>
+                <a:stretch>
+                  <a:fillRect b="-3571"/>
                 </a:stretch>
               </a:blipFill>
             </p:spPr>
@@ -12825,10 +12951,66 @@
           </a:xfrm>
         </p:spPr>
         <p:txBody>
-          <a:bodyPr/>
+          <a:bodyPr>
+            <a:normAutofit/>
+          </a:bodyPr>
           <a:lstStyle/>
           <a:p>
-            <a:endParaRPr lang="en-US"/>
+            <a:pPr>
+              <a:spcBef>
+                <a:spcPts val="600"/>
+              </a:spcBef>
+              <a:spcAft>
+                <a:spcPts val="600"/>
+              </a:spcAft>
+            </a:pPr>
+            <a:r>
+              <a:rPr lang="en-US" sz="1600" smtClean="0">
+                <a:solidFill>
+                  <a:srgbClr val="000000"/>
+                </a:solidFill>
+                <a:latin typeface="Arial" panose="020B0604020202020204" pitchFamily="34" charset="0"/>
+              </a:rPr>
+              <a:t>Kompresioni </a:t>
+            </a:r>
+            <a:r>
+              <a:rPr lang="en-US" sz="1600">
+                <a:solidFill>
+                  <a:srgbClr val="000000"/>
+                </a:solidFill>
+                <a:latin typeface="Arial" panose="020B0604020202020204" pitchFamily="34" charset="0"/>
+              </a:rPr>
+              <a:t>talasi se manifestuju kao promena pritiska okoline u kojoj se prostiru, tako da postoji još jedan vid jednačine koji se koristi </a:t>
+            </a:r>
+            <a:r>
+              <a:rPr lang="en-US" sz="1600">
+                <a:solidFill>
+                  <a:srgbClr val="000000"/>
+                </a:solidFill>
+                <a:latin typeface="Arial" panose="020B0604020202020204" pitchFamily="34" charset="0"/>
+              </a:rPr>
+              <a:t>za </a:t>
+            </a:r>
+            <a:r>
+              <a:rPr lang="en-US" sz="1600" smtClean="0">
+                <a:solidFill>
+                  <a:srgbClr val="000000"/>
+                </a:solidFill>
+                <a:latin typeface="Arial" panose="020B0604020202020204" pitchFamily="34" charset="0"/>
+              </a:rPr>
+              <a:t>njihovo opisisvanje.</a:t>
+            </a:r>
+          </a:p>
+          <a:p>
+            <a:pPr>
+              <a:spcBef>
+                <a:spcPts val="600"/>
+              </a:spcBef>
+              <a:spcAft>
+                <a:spcPts val="600"/>
+              </a:spcAft>
+            </a:pPr>
+            <a:endParaRPr lang="en-US" sz="1600"/>
           </a:p>
         </p:txBody>
       </p:sp>
@@ -12868,6 +13050,547 @@
           </a:p>
         </p:txBody>
       </p:sp>
+      <p:pic>
+        <p:nvPicPr>
+          <p:cNvPr id="4" name="Picture 3"/>
+          <p:cNvPicPr>
+            <a:picLocks noChangeAspect="1"/>
+          </p:cNvPicPr>
+          <p:nvPr/>
+        </p:nvPicPr>
+        <p:blipFill>
+          <a:blip r:embed="rId2">
+            <a:extLst>
+              <a:ext uri="{28A0092B-C50C-407E-A947-70E740481C1C}">
+                <a14:useLocalDpi xmlns:a14="http://schemas.microsoft.com/office/drawing/2010/main" val="0"/>
+              </a:ext>
+            </a:extLst>
+          </a:blip>
+          <a:stretch>
+            <a:fillRect/>
+          </a:stretch>
+        </p:blipFill>
+        <p:spPr>
+          <a:xfrm>
+            <a:off x="475138" y="3001206"/>
+            <a:ext cx="5303980" cy="2613887"/>
+          </a:xfrm>
+          <a:prstGeom prst="rect">
+            <a:avLst/>
+          </a:prstGeom>
+        </p:spPr>
+      </p:pic>
+      <mc:AlternateContent xmlns:mc="http://schemas.openxmlformats.org/markup-compatibility/2006">
+        <mc:Choice xmlns:a14="http://schemas.microsoft.com/office/drawing/2010/main" Requires="a14">
+          <p:sp>
+            <p:nvSpPr>
+              <p:cNvPr id="5" name="TextBox 4"/>
+              <p:cNvSpPr txBox="1"/>
+              <p:nvPr/>
+            </p:nvSpPr>
+            <p:spPr>
+              <a:xfrm>
+                <a:off x="750864" y="5627134"/>
+                <a:ext cx="4752528" cy="584775"/>
+              </a:xfrm>
+              <a:prstGeom prst="rect">
+                <a:avLst/>
+              </a:prstGeom>
+              <a:noFill/>
+            </p:spPr>
+            <p:txBody>
+              <a:bodyPr wrap="square" rtlCol="0">
+                <a:spAutoFit/>
+              </a:bodyPr>
+              <a:lstStyle/>
+              <a:p>
+                <a:pPr/>
+                <a14:m>
+                  <m:oMathPara xmlns:m="http://schemas.openxmlformats.org/officeDocument/2006/math">
+                    <m:oMathParaPr>
+                      <m:jc m:val="center"/>
+                    </m:oMathParaPr>
+                    <m:oMath xmlns:m="http://schemas.openxmlformats.org/officeDocument/2006/math">
+                      <m:r>
+                        <a:rPr lang="en-US" sz="1600" i="1" smtClean="0">
+                          <a:latin typeface="Cambria Math" panose="02040503050406030204" pitchFamily="18" charset="0"/>
+                        </a:rPr>
+                        <m:t>𝑃𝑟𝑜𝑚𝑒𝑛𝑎</m:t>
+                      </m:r>
+                      <m:r>
+                        <a:rPr lang="en-US" sz="1600" i="1" smtClean="0">
+                          <a:latin typeface="Cambria Math" panose="02040503050406030204" pitchFamily="18" charset="0"/>
+                        </a:rPr>
+                        <m:t> </m:t>
+                      </m:r>
+                      <m:r>
+                        <a:rPr lang="en-US" sz="1600" i="1" smtClean="0">
+                          <a:latin typeface="Cambria Math" panose="02040503050406030204" pitchFamily="18" charset="0"/>
+                        </a:rPr>
+                        <m:t>𝑝𝑟𝑖𝑡𝑖𝑠𝑘𝑎</m:t>
+                      </m:r>
+                      <m:r>
+                        <a:rPr lang="en-US" sz="1600" i="1" smtClean="0">
+                          <a:latin typeface="Cambria Math" panose="02040503050406030204" pitchFamily="18" charset="0"/>
+                        </a:rPr>
+                        <m:t> </m:t>
+                      </m:r>
+                      <m:r>
+                        <a:rPr lang="en-US" sz="1600" i="1" smtClean="0">
+                          <a:latin typeface="Cambria Math" panose="02040503050406030204" pitchFamily="18" charset="0"/>
+                        </a:rPr>
+                        <m:t>𝑢</m:t>
+                      </m:r>
+                      <m:r>
+                        <a:rPr lang="en-US" sz="1600" i="1" smtClean="0">
+                          <a:latin typeface="Cambria Math" panose="02040503050406030204" pitchFamily="18" charset="0"/>
+                        </a:rPr>
+                        <m:t> </m:t>
+                      </m:r>
+                      <m:r>
+                        <a:rPr lang="en-US" sz="1600" i="1" smtClean="0">
+                          <a:latin typeface="Cambria Math" panose="02040503050406030204" pitchFamily="18" charset="0"/>
+                        </a:rPr>
+                        <m:t>𝑝𝑟𝑜𝑠𝑡𝑜𝑟𝑢</m:t>
+                      </m:r>
+                      <m:r>
+                        <a:rPr lang="en-US" sz="1600" i="1" smtClean="0">
+                          <a:latin typeface="Cambria Math" panose="02040503050406030204" pitchFamily="18" charset="0"/>
+                        </a:rPr>
+                        <m:t> </m:t>
+                      </m:r>
+                      <m:r>
+                        <a:rPr lang="en-US" sz="1600" i="1" smtClean="0">
+                          <a:latin typeface="Cambria Math" panose="02040503050406030204" pitchFamily="18" charset="0"/>
+                        </a:rPr>
+                        <m:t>𝑘𝑟𝑜𝑧</m:t>
+                      </m:r>
+                      <m:r>
+                        <a:rPr lang="en-US" sz="1600" i="1" smtClean="0">
+                          <a:latin typeface="Cambria Math" panose="02040503050406030204" pitchFamily="18" charset="0"/>
+                        </a:rPr>
+                        <m:t> </m:t>
+                      </m:r>
+                      <m:r>
+                        <a:rPr lang="en-US" sz="1600" i="1" smtClean="0">
+                          <a:latin typeface="Cambria Math" panose="02040503050406030204" pitchFamily="18" charset="0"/>
+                        </a:rPr>
+                        <m:t>𝑘𝑜𝑗𝑖</m:t>
+                      </m:r>
+                      <m:r>
+                        <a:rPr lang="en-US" sz="1600" i="1" smtClean="0">
+                          <a:latin typeface="Cambria Math" panose="02040503050406030204" pitchFamily="18" charset="0"/>
+                        </a:rPr>
+                        <m:t> </m:t>
+                      </m:r>
+                      <m:r>
+                        <a:rPr lang="en-US" sz="1600" i="1" smtClean="0">
+                          <a:latin typeface="Cambria Math" panose="02040503050406030204" pitchFamily="18" charset="0"/>
+                        </a:rPr>
+                        <m:t>𝑠𝑒</m:t>
+                      </m:r>
+                      <m:r>
+                        <a:rPr lang="en-US" sz="1600" i="1" smtClean="0">
+                          <a:latin typeface="Cambria Math" panose="02040503050406030204" pitchFamily="18" charset="0"/>
+                        </a:rPr>
+                        <m:t> </m:t>
+                      </m:r>
+                      <m:r>
+                        <a:rPr lang="en-US" sz="1600" i="1" smtClean="0">
+                          <a:latin typeface="Cambria Math" panose="02040503050406030204" pitchFamily="18" charset="0"/>
+                        </a:rPr>
+                        <m:t>𝑝𝑟𝑜𝑠𝑡𝑖𝑟𝑢</m:t>
+                      </m:r>
+                    </m:oMath>
+                    <m:oMath xmlns:m="http://schemas.openxmlformats.org/officeDocument/2006/math">
+                      <m:r>
+                        <a:rPr lang="en-US" sz="1600" i="1" smtClean="0">
+                          <a:latin typeface="Cambria Math" panose="02040503050406030204" pitchFamily="18" charset="0"/>
+                        </a:rPr>
+                        <m:t> </m:t>
+                      </m:r>
+                      <m:r>
+                        <a:rPr lang="en-US" sz="1600" i="1" smtClean="0">
+                          <a:latin typeface="Cambria Math" panose="02040503050406030204" pitchFamily="18" charset="0"/>
+                        </a:rPr>
+                        <m:t>𝑘𝑜𝑚𝑝𝑟𝑒𝑠𝑖𝑜𝑛𝑖</m:t>
+                      </m:r>
+                      <m:r>
+                        <a:rPr lang="en-US" sz="1600" i="1" smtClean="0">
+                          <a:latin typeface="Cambria Math" panose="02040503050406030204" pitchFamily="18" charset="0"/>
+                        </a:rPr>
+                        <m:t> </m:t>
+                      </m:r>
+                      <m:r>
+                        <a:rPr lang="en-US" sz="1600" b="0" i="1" smtClean="0">
+                          <a:latin typeface="Cambria Math" panose="02040503050406030204" pitchFamily="18" charset="0"/>
+                        </a:rPr>
+                        <m:t>𝑡𝑎𝑙𝑎𝑠𝑖</m:t>
+                      </m:r>
+                    </m:oMath>
+                  </m:oMathPara>
+                </a14:m>
+                <a:endParaRPr lang="en-GB"/>
+              </a:p>
+            </p:txBody>
+          </p:sp>
+        </mc:Choice>
+        <mc:Fallback>
+          <p:sp>
+            <p:nvSpPr>
+              <p:cNvPr id="5" name="TextBox 4"/>
+              <p:cNvSpPr txBox="1">
+                <a:spLocks noRot="1" noChangeAspect="1" noMove="1" noResize="1" noEditPoints="1" noAdjustHandles="1" noChangeArrowheads="1" noChangeShapeType="1" noTextEdit="1"/>
+              </p:cNvSpPr>
+              <p:nvPr/>
+            </p:nvSpPr>
+            <p:spPr>
+              <a:xfrm>
+                <a:off x="750864" y="5627134"/>
+                <a:ext cx="4752528" cy="584775"/>
+              </a:xfrm>
+              <a:prstGeom prst="rect">
+                <a:avLst/>
+              </a:prstGeom>
+              <a:blipFill>
+                <a:blip r:embed="rId3"/>
+                <a:stretch>
+                  <a:fillRect r="-128" b="-3125"/>
+                </a:stretch>
+              </a:blipFill>
+            </p:spPr>
+            <p:txBody>
+              <a:bodyPr/>
+              <a:lstStyle/>
+              <a:p>
+                <a:r>
+                  <a:rPr lang="en-US">
+                    <a:noFill/>
+                  </a:rPr>
+                  <a:t> </a:t>
+                </a:r>
+              </a:p>
+            </p:txBody>
+          </p:sp>
+        </mc:Fallback>
+      </mc:AlternateContent>
+      <mc:AlternateContent xmlns:mc="http://schemas.openxmlformats.org/markup-compatibility/2006">
+        <mc:Choice xmlns:a14="http://schemas.microsoft.com/office/drawing/2010/main" Requires="a14">
+          <p:sp>
+            <p:nvSpPr>
+              <p:cNvPr id="6" name="TextBox 5"/>
+              <p:cNvSpPr txBox="1"/>
+              <p:nvPr/>
+            </p:nvSpPr>
+            <p:spPr>
+              <a:xfrm>
+                <a:off x="475138" y="2306751"/>
+                <a:ext cx="4824536" cy="586443"/>
+              </a:xfrm>
+              <a:prstGeom prst="rect">
+                <a:avLst/>
+              </a:prstGeom>
+              <a:noFill/>
+            </p:spPr>
+            <p:txBody>
+              <a:bodyPr wrap="square" rtlCol="0">
+                <a:spAutoFit/>
+              </a:bodyPr>
+              <a:lstStyle/>
+              <a:p>
+                <a:pPr/>
+                <a14:m>
+                  <m:oMathPara xmlns:m="http://schemas.openxmlformats.org/officeDocument/2006/math">
+                    <m:oMathParaPr>
+                      <m:jc m:val="centerGroup"/>
+                    </m:oMathParaPr>
+                    <m:oMath xmlns:m="http://schemas.openxmlformats.org/officeDocument/2006/math">
+                      <m:sSup>
+                        <m:sSupPr>
+                          <m:ctrlPr>
+                            <a:rPr lang="en-US" sz="1600" i="1" smtClean="0">
+                              <a:latin typeface="Cambria Math" panose="02040503050406030204" pitchFamily="18" charset="0"/>
+                            </a:rPr>
+                          </m:ctrlPr>
+                        </m:sSupPr>
+                        <m:e>
+                          <m:r>
+                            <a:rPr lang="en-GB" sz="1600" b="0" i="1" smtClean="0">
+                              <a:latin typeface="Cambria Math" panose="02040503050406030204" pitchFamily="18" charset="0"/>
+                            </a:rPr>
+                            <m:t>𝑢</m:t>
+                          </m:r>
+                        </m:e>
+                        <m:sup>
+                          <m:r>
+                            <a:rPr lang="en-GB" sz="1600" b="0" i="1" smtClean="0">
+                              <a:latin typeface="Cambria Math" panose="02040503050406030204" pitchFamily="18" charset="0"/>
+                            </a:rPr>
+                            <m:t>2</m:t>
+                          </m:r>
+                        </m:sup>
+                      </m:sSup>
+                      <m:f>
+                        <m:fPr>
+                          <m:ctrlPr>
+                            <a:rPr lang="en-US" sz="1600" i="1" smtClean="0">
+                              <a:latin typeface="Cambria Math" panose="02040503050406030204" pitchFamily="18" charset="0"/>
+                            </a:rPr>
+                          </m:ctrlPr>
+                        </m:fPr>
+                        <m:num>
+                          <m:sSup>
+                            <m:sSupPr>
+                              <m:ctrlPr>
+                                <a:rPr lang="en-US" sz="1600" i="1" smtClean="0">
+                                  <a:latin typeface="Cambria Math" panose="02040503050406030204" pitchFamily="18" charset="0"/>
+                                </a:rPr>
+                              </m:ctrlPr>
+                            </m:sSupPr>
+                            <m:e>
+                              <m:r>
+                                <a:rPr lang="en-US" sz="1600" i="1">
+                                  <a:latin typeface="Cambria Math" panose="02040503050406030204" pitchFamily="18" charset="0"/>
+                                </a:rPr>
+                                <m:t>𝜕</m:t>
+                              </m:r>
+                            </m:e>
+                            <m:sup>
+                              <m:r>
+                                <a:rPr lang="en-GB" sz="1600" b="0" i="1" smtClean="0">
+                                  <a:latin typeface="Cambria Math" panose="02040503050406030204" pitchFamily="18" charset="0"/>
+                                </a:rPr>
+                                <m:t>2</m:t>
+                              </m:r>
+                            </m:sup>
+                          </m:sSup>
+                          <m:r>
+                            <a:rPr lang="en-US" sz="1600" b="0" i="1" smtClean="0">
+                              <a:latin typeface="Cambria Math" panose="02040503050406030204" pitchFamily="18" charset="0"/>
+                            </a:rPr>
+                            <m:t>𝑝</m:t>
+                          </m:r>
+                          <m:d>
+                            <m:dPr>
+                              <m:ctrlPr>
+                                <a:rPr lang="en-GB" sz="1600" b="0" i="1" smtClean="0">
+                                  <a:latin typeface="Cambria Math" panose="02040503050406030204" pitchFamily="18" charset="0"/>
+                                </a:rPr>
+                              </m:ctrlPr>
+                            </m:dPr>
+                            <m:e>
+                              <m:r>
+                                <a:rPr lang="en-GB" sz="1600" b="0" i="1" smtClean="0">
+                                  <a:latin typeface="Cambria Math" panose="02040503050406030204" pitchFamily="18" charset="0"/>
+                                </a:rPr>
+                                <m:t>𝑥</m:t>
+                              </m:r>
+                              <m:r>
+                                <a:rPr lang="en-GB" sz="1600" b="0" i="1" smtClean="0">
+                                  <a:latin typeface="Cambria Math" panose="02040503050406030204" pitchFamily="18" charset="0"/>
+                                </a:rPr>
+                                <m:t>,</m:t>
+                              </m:r>
+                              <m:r>
+                                <a:rPr lang="en-GB" sz="1600" b="0" i="1" smtClean="0">
+                                  <a:latin typeface="Cambria Math" panose="02040503050406030204" pitchFamily="18" charset="0"/>
+                                </a:rPr>
+                                <m:t>𝑡</m:t>
+                              </m:r>
+                            </m:e>
+                          </m:d>
+                        </m:num>
+                        <m:den>
+                          <m:sSup>
+                            <m:sSupPr>
+                              <m:ctrlPr>
+                                <a:rPr lang="en-US" sz="1600" i="1" smtClean="0">
+                                  <a:latin typeface="Cambria Math" panose="02040503050406030204" pitchFamily="18" charset="0"/>
+                                </a:rPr>
+                              </m:ctrlPr>
+                            </m:sSupPr>
+                            <m:e>
+                              <m:r>
+                                <a:rPr lang="en-US" sz="1600" i="1">
+                                  <a:latin typeface="Cambria Math" panose="02040503050406030204" pitchFamily="18" charset="0"/>
+                                </a:rPr>
+                                <m:t>𝜕</m:t>
+                              </m:r>
+                              <m:r>
+                                <a:rPr lang="en-US" sz="1600" i="1">
+                                  <a:latin typeface="Cambria Math" panose="02040503050406030204" pitchFamily="18" charset="0"/>
+                                </a:rPr>
+                                <m:t>𝑥</m:t>
+                              </m:r>
+                            </m:e>
+                            <m:sup>
+                              <m:r>
+                                <a:rPr lang="en-GB" sz="1600" b="0" i="1" smtClean="0">
+                                  <a:latin typeface="Cambria Math" panose="02040503050406030204" pitchFamily="18" charset="0"/>
+                                </a:rPr>
+                                <m:t>2</m:t>
+                              </m:r>
+                            </m:sup>
+                          </m:sSup>
+                        </m:den>
+                      </m:f>
+                      <m:r>
+                        <a:rPr lang="en-GB" sz="1600" b="0" i="1" smtClean="0">
+                          <a:latin typeface="Cambria Math" panose="02040503050406030204" pitchFamily="18" charset="0"/>
+                        </a:rPr>
+                        <m:t>=</m:t>
+                      </m:r>
+                      <m:f>
+                        <m:fPr>
+                          <m:ctrlPr>
+                            <a:rPr lang="en-US" sz="1600" i="1">
+                              <a:latin typeface="Cambria Math" panose="02040503050406030204" pitchFamily="18" charset="0"/>
+                            </a:rPr>
+                          </m:ctrlPr>
+                        </m:fPr>
+                        <m:num>
+                          <m:sSup>
+                            <m:sSupPr>
+                              <m:ctrlPr>
+                                <a:rPr lang="en-US" sz="1600" i="1">
+                                  <a:latin typeface="Cambria Math" panose="02040503050406030204" pitchFamily="18" charset="0"/>
+                                </a:rPr>
+                              </m:ctrlPr>
+                            </m:sSupPr>
+                            <m:e>
+                              <m:r>
+                                <a:rPr lang="en-US" sz="1600" i="1">
+                                  <a:latin typeface="Cambria Math" panose="02040503050406030204" pitchFamily="18" charset="0"/>
+                                </a:rPr>
+                                <m:t>𝜕</m:t>
+                              </m:r>
+                            </m:e>
+                            <m:sup>
+                              <m:r>
+                                <a:rPr lang="en-GB" sz="1600" i="1">
+                                  <a:latin typeface="Cambria Math" panose="02040503050406030204" pitchFamily="18" charset="0"/>
+                                </a:rPr>
+                                <m:t>2</m:t>
+                              </m:r>
+                            </m:sup>
+                          </m:sSup>
+                          <m:r>
+                            <a:rPr lang="en-US" sz="1600" b="0" i="1" smtClean="0">
+                              <a:latin typeface="Cambria Math" panose="02040503050406030204" pitchFamily="18" charset="0"/>
+                            </a:rPr>
+                            <m:t>𝑝</m:t>
+                          </m:r>
+                          <m:d>
+                            <m:dPr>
+                              <m:ctrlPr>
+                                <a:rPr lang="en-GB" sz="1600" i="1">
+                                  <a:latin typeface="Cambria Math" panose="02040503050406030204" pitchFamily="18" charset="0"/>
+                                </a:rPr>
+                              </m:ctrlPr>
+                            </m:dPr>
+                            <m:e>
+                              <m:r>
+                                <a:rPr lang="en-GB" sz="1600" i="1">
+                                  <a:latin typeface="Cambria Math" panose="02040503050406030204" pitchFamily="18" charset="0"/>
+                                </a:rPr>
+                                <m:t>𝑥</m:t>
+                              </m:r>
+                              <m:r>
+                                <a:rPr lang="en-GB" sz="1600" i="1">
+                                  <a:latin typeface="Cambria Math" panose="02040503050406030204" pitchFamily="18" charset="0"/>
+                                </a:rPr>
+                                <m:t>,</m:t>
+                              </m:r>
+                              <m:r>
+                                <a:rPr lang="en-GB" sz="1600" i="1">
+                                  <a:latin typeface="Cambria Math" panose="02040503050406030204" pitchFamily="18" charset="0"/>
+                                </a:rPr>
+                                <m:t>𝑡</m:t>
+                              </m:r>
+                            </m:e>
+                          </m:d>
+                        </m:num>
+                        <m:den>
+                          <m:sSup>
+                            <m:sSupPr>
+                              <m:ctrlPr>
+                                <a:rPr lang="en-US" sz="1600" i="1">
+                                  <a:latin typeface="Cambria Math" panose="02040503050406030204" pitchFamily="18" charset="0"/>
+                                </a:rPr>
+                              </m:ctrlPr>
+                            </m:sSupPr>
+                            <m:e>
+                              <m:r>
+                                <a:rPr lang="en-US" sz="1600" i="1">
+                                  <a:latin typeface="Cambria Math" panose="02040503050406030204" pitchFamily="18" charset="0"/>
+                                </a:rPr>
+                                <m:t>𝜕</m:t>
+                              </m:r>
+                              <m:r>
+                                <a:rPr lang="en-GB" sz="1600" b="0" i="1" smtClean="0">
+                                  <a:latin typeface="Cambria Math" panose="02040503050406030204" pitchFamily="18" charset="0"/>
+                                </a:rPr>
+                                <m:t>𝑡</m:t>
+                              </m:r>
+                            </m:e>
+                            <m:sup>
+                              <m:r>
+                                <a:rPr lang="en-GB" sz="1600" i="1">
+                                  <a:latin typeface="Cambria Math" panose="02040503050406030204" pitchFamily="18" charset="0"/>
+                                </a:rPr>
+                                <m:t>2</m:t>
+                              </m:r>
+                            </m:sup>
+                          </m:sSup>
+                        </m:den>
+                      </m:f>
+                    </m:oMath>
+                  </m:oMathPara>
+                </a14:m>
+                <a:endParaRPr lang="en-US"/>
+              </a:p>
+            </p:txBody>
+          </p:sp>
+        </mc:Choice>
+        <mc:Fallback>
+          <p:sp>
+            <p:nvSpPr>
+              <p:cNvPr id="6" name="TextBox 5"/>
+              <p:cNvSpPr txBox="1">
+                <a:spLocks noRot="1" noChangeAspect="1" noMove="1" noResize="1" noEditPoints="1" noAdjustHandles="1" noChangeArrowheads="1" noChangeShapeType="1" noTextEdit="1"/>
+              </p:cNvSpPr>
+              <p:nvPr/>
+            </p:nvSpPr>
+            <p:spPr>
+              <a:xfrm>
+                <a:off x="475138" y="2306751"/>
+                <a:ext cx="4824536" cy="586443"/>
+              </a:xfrm>
+              <a:prstGeom prst="rect">
+                <a:avLst/>
+              </a:prstGeom>
+              <a:blipFill>
+                <a:blip r:embed="rId4"/>
+                <a:stretch>
+                  <a:fillRect/>
+                </a:stretch>
+              </a:blipFill>
+            </p:spPr>
+            <p:txBody>
+              <a:bodyPr/>
+              <a:lstStyle/>
+              <a:p>
+                <a:r>
+                  <a:rPr lang="en-US">
+                    <a:noFill/>
+                  </a:rPr>
+                  <a:t> </a:t>
+                </a:r>
+              </a:p>
+            </p:txBody>
+          </p:sp>
+        </mc:Fallback>
+      </mc:AlternateContent>
     </p:spTree>
     <p:extLst>
       <p:ext uri="{BB962C8B-B14F-4D97-AF65-F5344CB8AC3E}">
@@ -13411,7 +14134,7 @@
           <a:graphicData uri="http://schemas.openxmlformats.org/presentationml/2006/ole">
             <mc:AlternateContent xmlns:mc="http://schemas.openxmlformats.org/markup-compatibility/2006">
               <mc:Choice xmlns:v="urn:schemas-microsoft-com:vml" Requires="v">
-                <p:oleObj spid="_x0000_s5206" name="Equation" r:id="rId5" imgW="4178160" imgH="647640" progId="Equation.DSMT4">
+                <p:oleObj spid="_x0000_s5210" name="Equation" r:id="rId5" imgW="4178160" imgH="647640" progId="Equation.DSMT4">
                   <p:embed/>
                 </p:oleObj>
               </mc:Choice>
@@ -13962,7 +14685,7 @@
           <a:graphicData uri="http://schemas.openxmlformats.org/presentationml/2006/ole">
             <mc:AlternateContent xmlns:mc="http://schemas.openxmlformats.org/markup-compatibility/2006">
               <mc:Choice xmlns:v="urn:schemas-microsoft-com:vml" Requires="v">
-                <p:oleObj spid="_x0000_s6802" name="Equation" r:id="rId4" imgW="1815840" imgH="304560" progId="Equation.DSMT4">
+                <p:oleObj spid="_x0000_s6826" name="Equation" r:id="rId4" imgW="1815840" imgH="304560" progId="Equation.DSMT4">
                   <p:embed/>
                 </p:oleObj>
               </mc:Choice>
@@ -14019,7 +14742,7 @@
           <a:graphicData uri="http://schemas.openxmlformats.org/presentationml/2006/ole">
             <mc:AlternateContent xmlns:mc="http://schemas.openxmlformats.org/markup-compatibility/2006">
               <mc:Choice xmlns:v="urn:schemas-microsoft-com:vml" Requires="v">
-                <p:oleObj spid="_x0000_s6803" name="Equation" r:id="rId6" imgW="2120760" imgH="317160" progId="Equation.DSMT4">
+                <p:oleObj spid="_x0000_s6827" name="Equation" r:id="rId6" imgW="2120760" imgH="317160" progId="Equation.DSMT4">
                   <p:embed/>
                 </p:oleObj>
               </mc:Choice>
@@ -14076,7 +14799,7 @@
           <a:graphicData uri="http://schemas.openxmlformats.org/presentationml/2006/ole">
             <mc:AlternateContent xmlns:mc="http://schemas.openxmlformats.org/markup-compatibility/2006">
               <mc:Choice xmlns:v="urn:schemas-microsoft-com:vml" Requires="v">
-                <p:oleObj spid="_x0000_s6804" name="Equation" r:id="rId8" imgW="2019240" imgH="317160" progId="Equation.DSMT4">
+                <p:oleObj spid="_x0000_s6828" name="Equation" r:id="rId8" imgW="2019240" imgH="317160" progId="Equation.DSMT4">
                   <p:embed/>
                 </p:oleObj>
               </mc:Choice>
@@ -14133,7 +14856,7 @@
           <a:graphicData uri="http://schemas.openxmlformats.org/presentationml/2006/ole">
             <mc:AlternateContent xmlns:mc="http://schemas.openxmlformats.org/markup-compatibility/2006">
               <mc:Choice xmlns:v="urn:schemas-microsoft-com:vml" Requires="v">
-                <p:oleObj spid="_x0000_s6805" name="Equation" r:id="rId10" imgW="393480" imgH="253800" progId="Equation.DSMT4">
+                <p:oleObj spid="_x0000_s6829" name="Equation" r:id="rId10" imgW="393480" imgH="253800" progId="Equation.DSMT4">
                   <p:embed/>
                 </p:oleObj>
               </mc:Choice>
@@ -14222,7 +14945,7 @@
           <a:graphicData uri="http://schemas.openxmlformats.org/presentationml/2006/ole">
             <mc:AlternateContent xmlns:mc="http://schemas.openxmlformats.org/markup-compatibility/2006">
               <mc:Choice xmlns:v="urn:schemas-microsoft-com:vml" Requires="v">
-                <p:oleObj spid="_x0000_s6806" name="Equation" r:id="rId12" imgW="1091880" imgH="317160" progId="Equation.DSMT4">
+                <p:oleObj spid="_x0000_s6830" name="Equation" r:id="rId12" imgW="1091880" imgH="317160" progId="Equation.DSMT4">
                   <p:embed/>
                 </p:oleObj>
               </mc:Choice>
@@ -14374,7 +15097,7 @@
           <a:graphicData uri="http://schemas.openxmlformats.org/presentationml/2006/ole">
             <mc:AlternateContent xmlns:mc="http://schemas.openxmlformats.org/markup-compatibility/2006">
               <mc:Choice xmlns:v="urn:schemas-microsoft-com:vml" Requires="v">
-                <p:oleObj spid="_x0000_s6807" name="Equation" r:id="rId14" imgW="1168200" imgH="317160" progId="Equation.DSMT4">
+                <p:oleObj spid="_x0000_s6831" name="Equation" r:id="rId14" imgW="1168200" imgH="317160" progId="Equation.DSMT4">
                   <p:embed/>
                 </p:oleObj>
               </mc:Choice>
@@ -15102,7 +15825,7 @@
           <a:graphicData uri="http://schemas.openxmlformats.org/presentationml/2006/ole">
             <mc:AlternateContent xmlns:mc="http://schemas.openxmlformats.org/markup-compatibility/2006">
               <mc:Choice xmlns:v="urn:schemas-microsoft-com:vml" Requires="v">
-                <p:oleObj spid="_x0000_s7404" name="Equation" r:id="rId5" imgW="1295280" imgH="291960" progId="Equation.DSMT4">
+                <p:oleObj spid="_x0000_s7412" name="Equation" r:id="rId5" imgW="1295280" imgH="291960" progId="Equation.DSMT4">
                   <p:embed/>
                 </p:oleObj>
               </mc:Choice>
@@ -15185,7 +15908,7 @@
           <a:graphicData uri="http://schemas.openxmlformats.org/presentationml/2006/ole">
             <mc:AlternateContent xmlns:mc="http://schemas.openxmlformats.org/markup-compatibility/2006">
               <mc:Choice xmlns:v="urn:schemas-microsoft-com:vml" Requires="v">
-                <p:oleObj spid="_x0000_s7405" name="Equation" r:id="rId7" imgW="1155600" imgH="291960" progId="Equation.DSMT4">
+                <p:oleObj spid="_x0000_s7413" name="Equation" r:id="rId7" imgW="1155600" imgH="291960" progId="Equation.DSMT4">
                   <p:embed/>
                 </p:oleObj>
               </mc:Choice>
